--- a/image.pptx
+++ b/image.pptx
@@ -3618,7 +3618,7 @@
         </p:nvSpPr>
         <p:spPr>
           <a:xfrm>
-            <a:off x="2425512" y="5138102"/>
+            <a:off x="6135790" y="3545633"/>
             <a:ext cx="1524644" cy="819353"/>
           </a:xfrm>
           <a:prstGeom prst="rect">
@@ -3658,6 +3658,17 @@
                   <a:schemeClr val="tx1"/>
                 </a:solidFill>
               </a:rPr>
+              <a:t>Encrypted</a:t>
+            </a:r>
+          </a:p>
+          <a:p>
+            <a:pPr algn="ctr"/>
+            <a:r>
+              <a:rPr lang="en-US" sz="2000" dirty="0">
+                <a:solidFill>
+                  <a:schemeClr val="tx1"/>
+                </a:solidFill>
+              </a:rPr>
               <a:t>Image Data</a:t>
             </a:r>
             <a:endParaRPr lang="en-KR" sz="2000" dirty="0">
@@ -3679,13 +3690,15 @@
           </p:cNvPr>
           <p:cNvCxnSpPr>
             <a:cxnSpLocks/>
+            <a:stCxn id="4" idx="3"/>
+            <a:endCxn id="18" idx="1"/>
           </p:cNvCxnSpPr>
           <p:nvPr/>
         </p:nvCxnSpPr>
         <p:spPr>
-          <a:xfrm>
-            <a:off x="3187834" y="4582632"/>
-            <a:ext cx="0" cy="543550"/>
+          <a:xfrm flipV="1">
+            <a:off x="4316819" y="3955310"/>
+            <a:ext cx="1818971" cy="1"/>
           </a:xfrm>
           <a:prstGeom prst="straightConnector1">
             <a:avLst/>
@@ -3726,8 +3739,8 @@
         </p:nvSpPr>
         <p:spPr>
           <a:xfrm>
-            <a:off x="1799802" y="4675057"/>
-            <a:ext cx="1251420" cy="369332"/>
+            <a:off x="4463982" y="3951122"/>
+            <a:ext cx="1524644" cy="646331"/>
           </a:xfrm>
           <a:prstGeom prst="rect">
             <a:avLst/>
@@ -3744,6 +3757,550 @@
               <a:rPr lang="en-KR" dirty="0"/>
               <a:t>Encryption</a:t>
             </a:r>
+            <a:r>
+              <a:rPr lang="ko-KR" altLang="en-US" dirty="0"/>
+              <a:t> </a:t>
+            </a:r>
+            <a:r>
+              <a:rPr lang="en-KR" altLang="ko-KR" dirty="0"/>
+              <a:t>w/ personal key</a:t>
+            </a:r>
+            <a:endParaRPr lang="en-US" altLang="ko-KR" dirty="0"/>
+          </a:p>
+        </p:txBody>
+      </p:sp>
+      <p:cxnSp>
+        <p:nvCxnSpPr>
+          <p:cNvPr id="3" name="Straight Arrow Connector 2">
+            <a:extLst>
+              <a:ext uri="{FF2B5EF4-FFF2-40B4-BE49-F238E27FC236}">
+                <a16:creationId xmlns:a16="http://schemas.microsoft.com/office/drawing/2014/main" id="{4BA7C0DE-0B85-2596-72DB-549A84B0228E}"/>
+              </a:ext>
+            </a:extLst>
+          </p:cNvPr>
+          <p:cNvCxnSpPr>
+            <a:cxnSpLocks/>
+            <a:stCxn id="18" idx="0"/>
+            <a:endCxn id="9" idx="2"/>
+          </p:cNvCxnSpPr>
+          <p:nvPr/>
+        </p:nvCxnSpPr>
+        <p:spPr>
+          <a:xfrm flipH="1" flipV="1">
+            <a:off x="3211033" y="2509283"/>
+            <a:ext cx="3687079" cy="1036350"/>
+          </a:xfrm>
+          <a:prstGeom prst="straightConnector1">
+            <a:avLst/>
+          </a:prstGeom>
+          <a:ln>
+            <a:tailEnd type="triangle"/>
+          </a:ln>
+        </p:spPr>
+        <p:style>
+          <a:lnRef idx="1">
+            <a:schemeClr val="dk1"/>
+          </a:lnRef>
+          <a:fillRef idx="0">
+            <a:schemeClr val="dk1"/>
+          </a:fillRef>
+          <a:effectRef idx="0">
+            <a:schemeClr val="dk1"/>
+          </a:effectRef>
+          <a:fontRef idx="minor">
+            <a:schemeClr val="tx1"/>
+          </a:fontRef>
+        </p:style>
+      </p:cxnSp>
+      <p:sp>
+        <p:nvSpPr>
+          <p:cNvPr id="8" name="TextBox 7">
+            <a:extLst>
+              <a:ext uri="{FF2B5EF4-FFF2-40B4-BE49-F238E27FC236}">
+                <a16:creationId xmlns:a16="http://schemas.microsoft.com/office/drawing/2014/main" id="{75B32B33-EBD1-21F5-B5A3-61AB6E1DED25}"/>
+              </a:ext>
+            </a:extLst>
+          </p:cNvPr>
+          <p:cNvSpPr txBox="1"/>
+          <p:nvPr/>
+        </p:nvSpPr>
+        <p:spPr>
+          <a:xfrm>
+            <a:off x="4713686" y="2658126"/>
+            <a:ext cx="1376111" cy="369332"/>
+          </a:xfrm>
+          <a:prstGeom prst="rect">
+            <a:avLst/>
+          </a:prstGeom>
+          <a:noFill/>
+        </p:spPr>
+        <p:txBody>
+          <a:bodyPr wrap="square" rtlCol="0">
+            <a:spAutoFit/>
+          </a:bodyPr>
+          <a:lstStyle/>
+          <a:p>
+            <a:r>
+              <a:rPr lang="en-US" altLang="ko-KR" dirty="0"/>
+              <a:t>Distribution</a:t>
+            </a:r>
+            <a:endParaRPr lang="en-KR" dirty="0"/>
+          </a:p>
+        </p:txBody>
+      </p:sp>
+      <p:cxnSp>
+        <p:nvCxnSpPr>
+          <p:cNvPr id="26" name="Straight Arrow Connector 25">
+            <a:extLst>
+              <a:ext uri="{FF2B5EF4-FFF2-40B4-BE49-F238E27FC236}">
+                <a16:creationId xmlns:a16="http://schemas.microsoft.com/office/drawing/2014/main" id="{7D32C297-8151-E6A3-61BA-468640416ED4}"/>
+              </a:ext>
+            </a:extLst>
+          </p:cNvPr>
+          <p:cNvCxnSpPr>
+            <a:stCxn id="9" idx="3"/>
+          </p:cNvCxnSpPr>
+          <p:nvPr/>
+        </p:nvCxnSpPr>
+        <p:spPr>
+          <a:xfrm flipV="1">
+            <a:off x="4316819" y="1871329"/>
+            <a:ext cx="3625702" cy="1"/>
+          </a:xfrm>
+          <a:prstGeom prst="straightConnector1">
+            <a:avLst/>
+          </a:prstGeom>
+          <a:ln>
+            <a:tailEnd type="triangle"/>
+          </a:ln>
+        </p:spPr>
+        <p:style>
+          <a:lnRef idx="1">
+            <a:schemeClr val="dk1"/>
+          </a:lnRef>
+          <a:fillRef idx="0">
+            <a:schemeClr val="dk1"/>
+          </a:fillRef>
+          <a:effectRef idx="0">
+            <a:schemeClr val="dk1"/>
+          </a:effectRef>
+          <a:fontRef idx="minor">
+            <a:schemeClr val="tx1"/>
+          </a:fontRef>
+        </p:style>
+      </p:cxnSp>
+      <p:sp>
+        <p:nvSpPr>
+          <p:cNvPr id="27" name="Rectangle 26">
+            <a:extLst>
+              <a:ext uri="{FF2B5EF4-FFF2-40B4-BE49-F238E27FC236}">
+                <a16:creationId xmlns:a16="http://schemas.microsoft.com/office/drawing/2014/main" id="{262A2464-7D20-F612-6D18-02C57DD6E360}"/>
+              </a:ext>
+            </a:extLst>
+          </p:cNvPr>
+          <p:cNvSpPr/>
+          <p:nvPr/>
+        </p:nvSpPr>
+        <p:spPr>
+          <a:xfrm>
+            <a:off x="7942521" y="1233376"/>
+            <a:ext cx="2211572" cy="1275907"/>
+          </a:xfrm>
+          <a:prstGeom prst="rect">
+            <a:avLst/>
+          </a:prstGeom>
+          <a:noFill/>
+          <a:ln>
+            <a:solidFill>
+              <a:schemeClr val="tx1"/>
+            </a:solidFill>
+          </a:ln>
+        </p:spPr>
+        <p:style>
+          <a:lnRef idx="2">
+            <a:schemeClr val="accent1">
+              <a:shade val="50000"/>
+            </a:schemeClr>
+          </a:lnRef>
+          <a:fillRef idx="1">
+            <a:schemeClr val="accent1"/>
+          </a:fillRef>
+          <a:effectRef idx="0">
+            <a:schemeClr val="accent1"/>
+          </a:effectRef>
+          <a:fontRef idx="minor">
+            <a:schemeClr val="lt1"/>
+          </a:fontRef>
+        </p:style>
+        <p:txBody>
+          <a:bodyPr rtlCol="0" anchor="ctr"/>
+          <a:lstStyle/>
+          <a:p>
+            <a:pPr algn="ctr"/>
+            <a:r>
+              <a:rPr lang="en-US" sz="4400" dirty="0">
+                <a:solidFill>
+                  <a:schemeClr val="tx1"/>
+                </a:solidFill>
+              </a:rPr>
+              <a:t>Client</a:t>
+            </a:r>
+            <a:endParaRPr lang="en-KR" sz="4400" dirty="0">
+              <a:solidFill>
+                <a:schemeClr val="tx1"/>
+              </a:solidFill>
+            </a:endParaRPr>
+          </a:p>
+        </p:txBody>
+      </p:sp>
+      <p:sp>
+        <p:nvSpPr>
+          <p:cNvPr id="30" name="TextBox 29">
+            <a:extLst>
+              <a:ext uri="{FF2B5EF4-FFF2-40B4-BE49-F238E27FC236}">
+                <a16:creationId xmlns:a16="http://schemas.microsoft.com/office/drawing/2014/main" id="{76C3F30D-92D5-AB5B-C31F-C264D06BF56F}"/>
+              </a:ext>
+            </a:extLst>
+          </p:cNvPr>
+          <p:cNvSpPr txBox="1"/>
+          <p:nvPr/>
+        </p:nvSpPr>
+        <p:spPr>
+          <a:xfrm>
+            <a:off x="5401741" y="1497719"/>
+            <a:ext cx="1524644" cy="369332"/>
+          </a:xfrm>
+          <a:prstGeom prst="rect">
+            <a:avLst/>
+          </a:prstGeom>
+          <a:noFill/>
+        </p:spPr>
+        <p:txBody>
+          <a:bodyPr wrap="square" rtlCol="0">
+            <a:spAutoFit/>
+          </a:bodyPr>
+          <a:lstStyle/>
+          <a:p>
+            <a:r>
+              <a:rPr lang="en-US" dirty="0"/>
+              <a:t>Distribution</a:t>
+            </a:r>
+            <a:endParaRPr lang="en-US" altLang="ko-KR" dirty="0"/>
+          </a:p>
+        </p:txBody>
+      </p:sp>
+      <p:sp>
+        <p:nvSpPr>
+          <p:cNvPr id="32" name="Rectangle 31">
+            <a:extLst>
+              <a:ext uri="{FF2B5EF4-FFF2-40B4-BE49-F238E27FC236}">
+                <a16:creationId xmlns:a16="http://schemas.microsoft.com/office/drawing/2014/main" id="{239D4793-7B87-7BCA-122B-D9E686055997}"/>
+              </a:ext>
+            </a:extLst>
+          </p:cNvPr>
+          <p:cNvSpPr/>
+          <p:nvPr/>
+        </p:nvSpPr>
+        <p:spPr>
+          <a:xfrm>
+            <a:off x="2792174" y="4274287"/>
+            <a:ext cx="1524644" cy="646332"/>
+          </a:xfrm>
+          <a:prstGeom prst="rect">
+            <a:avLst/>
+          </a:prstGeom>
+          <a:solidFill>
+            <a:schemeClr val="bg1"/>
+          </a:solidFill>
+          <a:ln>
+            <a:solidFill>
+              <a:schemeClr val="tx1"/>
+            </a:solidFill>
+          </a:ln>
+        </p:spPr>
+        <p:style>
+          <a:lnRef idx="2">
+            <a:schemeClr val="accent1">
+              <a:shade val="50000"/>
+            </a:schemeClr>
+          </a:lnRef>
+          <a:fillRef idx="1">
+            <a:schemeClr val="accent1"/>
+          </a:fillRef>
+          <a:effectRef idx="0">
+            <a:schemeClr val="accent1"/>
+          </a:effectRef>
+          <a:fontRef idx="minor">
+            <a:schemeClr val="lt1"/>
+          </a:fontRef>
+        </p:style>
+        <p:txBody>
+          <a:bodyPr rtlCol="0" anchor="ctr"/>
+          <a:lstStyle/>
+          <a:p>
+            <a:pPr algn="ctr"/>
+            <a:r>
+              <a:rPr lang="en-US" sz="2000" dirty="0">
+                <a:solidFill>
+                  <a:schemeClr val="tx1"/>
+                </a:solidFill>
+              </a:rPr>
+              <a:t>Original</a:t>
+            </a:r>
+          </a:p>
+          <a:p>
+            <a:pPr algn="ctr"/>
+            <a:r>
+              <a:rPr lang="en-US" sz="2000" dirty="0">
+                <a:solidFill>
+                  <a:schemeClr val="tx1"/>
+                </a:solidFill>
+              </a:rPr>
+              <a:t>Image Data</a:t>
+            </a:r>
+            <a:endParaRPr lang="en-KR" sz="2000" dirty="0">
+              <a:solidFill>
+                <a:schemeClr val="tx1"/>
+              </a:solidFill>
+            </a:endParaRPr>
+          </a:p>
+        </p:txBody>
+      </p:sp>
+      <p:sp>
+        <p:nvSpPr>
+          <p:cNvPr id="33" name="Rectangle 32">
+            <a:extLst>
+              <a:ext uri="{FF2B5EF4-FFF2-40B4-BE49-F238E27FC236}">
+                <a16:creationId xmlns:a16="http://schemas.microsoft.com/office/drawing/2014/main" id="{E7378B8C-61C3-E313-2207-B36AD7CE4877}"/>
+              </a:ext>
+            </a:extLst>
+          </p:cNvPr>
+          <p:cNvSpPr/>
+          <p:nvPr/>
+        </p:nvSpPr>
+        <p:spPr>
+          <a:xfrm>
+            <a:off x="7942521" y="906021"/>
+            <a:ext cx="1524644" cy="646332"/>
+          </a:xfrm>
+          <a:prstGeom prst="rect">
+            <a:avLst/>
+          </a:prstGeom>
+          <a:solidFill>
+            <a:schemeClr val="bg1"/>
+          </a:solidFill>
+          <a:ln>
+            <a:solidFill>
+              <a:schemeClr val="tx1"/>
+            </a:solidFill>
+          </a:ln>
+        </p:spPr>
+        <p:style>
+          <a:lnRef idx="2">
+            <a:schemeClr val="accent1">
+              <a:shade val="50000"/>
+            </a:schemeClr>
+          </a:lnRef>
+          <a:fillRef idx="1">
+            <a:schemeClr val="accent1"/>
+          </a:fillRef>
+          <a:effectRef idx="0">
+            <a:schemeClr val="accent1"/>
+          </a:effectRef>
+          <a:fontRef idx="minor">
+            <a:schemeClr val="lt1"/>
+          </a:fontRef>
+        </p:style>
+        <p:txBody>
+          <a:bodyPr rtlCol="0" anchor="ctr"/>
+          <a:lstStyle/>
+          <a:p>
+            <a:pPr algn="ctr"/>
+            <a:r>
+              <a:rPr lang="en-US" sz="2000" dirty="0">
+                <a:solidFill>
+                  <a:schemeClr val="tx1"/>
+                </a:solidFill>
+              </a:rPr>
+              <a:t>Encrypted</a:t>
+            </a:r>
+          </a:p>
+          <a:p>
+            <a:pPr algn="ctr"/>
+            <a:r>
+              <a:rPr lang="en-US" sz="2000" dirty="0">
+                <a:solidFill>
+                  <a:schemeClr val="tx1"/>
+                </a:solidFill>
+              </a:rPr>
+              <a:t>Image Data</a:t>
+            </a:r>
+            <a:endParaRPr lang="en-KR" sz="2000" dirty="0">
+              <a:solidFill>
+                <a:schemeClr val="tx1"/>
+              </a:solidFill>
+            </a:endParaRPr>
+          </a:p>
+        </p:txBody>
+      </p:sp>
+      <p:cxnSp>
+        <p:nvCxnSpPr>
+          <p:cNvPr id="34" name="Straight Arrow Connector 33">
+            <a:extLst>
+              <a:ext uri="{FF2B5EF4-FFF2-40B4-BE49-F238E27FC236}">
+                <a16:creationId xmlns:a16="http://schemas.microsoft.com/office/drawing/2014/main" id="{B337533F-A359-06E3-6338-A7BFFA85CA58}"/>
+              </a:ext>
+            </a:extLst>
+          </p:cNvPr>
+          <p:cNvCxnSpPr>
+            <a:cxnSpLocks/>
+            <a:stCxn id="27" idx="2"/>
+          </p:cNvCxnSpPr>
+          <p:nvPr/>
+        </p:nvCxnSpPr>
+        <p:spPr>
+          <a:xfrm>
+            <a:off x="9048307" y="2509283"/>
+            <a:ext cx="0" cy="919717"/>
+          </a:xfrm>
+          <a:prstGeom prst="straightConnector1">
+            <a:avLst/>
+          </a:prstGeom>
+          <a:ln>
+            <a:tailEnd type="triangle"/>
+          </a:ln>
+        </p:spPr>
+        <p:style>
+          <a:lnRef idx="1">
+            <a:schemeClr val="dk1"/>
+          </a:lnRef>
+          <a:fillRef idx="0">
+            <a:schemeClr val="dk1"/>
+          </a:fillRef>
+          <a:effectRef idx="0">
+            <a:schemeClr val="dk1"/>
+          </a:effectRef>
+          <a:fontRef idx="minor">
+            <a:schemeClr val="tx1"/>
+          </a:fontRef>
+        </p:style>
+      </p:cxnSp>
+      <p:sp>
+        <p:nvSpPr>
+          <p:cNvPr id="37" name="TextBox 36">
+            <a:extLst>
+              <a:ext uri="{FF2B5EF4-FFF2-40B4-BE49-F238E27FC236}">
+                <a16:creationId xmlns:a16="http://schemas.microsoft.com/office/drawing/2014/main" id="{73DB8C87-725F-3810-ED4B-665EEED51AD5}"/>
+              </a:ext>
+            </a:extLst>
+          </p:cNvPr>
+          <p:cNvSpPr txBox="1"/>
+          <p:nvPr/>
+        </p:nvSpPr>
+        <p:spPr>
+          <a:xfrm>
+            <a:off x="9048307" y="2671026"/>
+            <a:ext cx="1524644" cy="646331"/>
+          </a:xfrm>
+          <a:prstGeom prst="rect">
+            <a:avLst/>
+          </a:prstGeom>
+          <a:noFill/>
+        </p:spPr>
+        <p:txBody>
+          <a:bodyPr wrap="square" rtlCol="0">
+            <a:spAutoFit/>
+          </a:bodyPr>
+          <a:lstStyle/>
+          <a:p>
+            <a:r>
+              <a:rPr lang="en-KR" dirty="0"/>
+              <a:t>Decription</a:t>
+            </a:r>
+            <a:r>
+              <a:rPr lang="ko-KR" altLang="en-US" dirty="0"/>
+              <a:t> </a:t>
+            </a:r>
+            <a:r>
+              <a:rPr lang="en-KR" altLang="ko-KR" dirty="0"/>
+              <a:t>w/ personal key</a:t>
+            </a:r>
+            <a:endParaRPr lang="en-US" altLang="ko-KR" dirty="0"/>
+          </a:p>
+        </p:txBody>
+      </p:sp>
+      <p:sp>
+        <p:nvSpPr>
+          <p:cNvPr id="38" name="Rectangle 37">
+            <a:extLst>
+              <a:ext uri="{FF2B5EF4-FFF2-40B4-BE49-F238E27FC236}">
+                <a16:creationId xmlns:a16="http://schemas.microsoft.com/office/drawing/2014/main" id="{5FDD2145-4639-AA14-F6E5-E7D4898FC718}"/>
+              </a:ext>
+            </a:extLst>
+          </p:cNvPr>
+          <p:cNvSpPr/>
+          <p:nvPr/>
+        </p:nvSpPr>
+        <p:spPr>
+          <a:xfrm>
+            <a:off x="8285985" y="3429000"/>
+            <a:ext cx="1524644" cy="819353"/>
+          </a:xfrm>
+          <a:prstGeom prst="rect">
+            <a:avLst/>
+          </a:prstGeom>
+          <a:noFill/>
+          <a:ln>
+            <a:solidFill>
+              <a:schemeClr val="tx1"/>
+            </a:solidFill>
+          </a:ln>
+        </p:spPr>
+        <p:style>
+          <a:lnRef idx="2">
+            <a:schemeClr val="accent1">
+              <a:shade val="50000"/>
+            </a:schemeClr>
+          </a:lnRef>
+          <a:fillRef idx="1">
+            <a:schemeClr val="accent1"/>
+          </a:fillRef>
+          <a:effectRef idx="0">
+            <a:schemeClr val="accent1"/>
+          </a:effectRef>
+          <a:fontRef idx="minor">
+            <a:schemeClr val="lt1"/>
+          </a:fontRef>
+        </p:style>
+        <p:txBody>
+          <a:bodyPr rtlCol="0" anchor="ctr"/>
+          <a:lstStyle/>
+          <a:p>
+            <a:pPr algn="ctr"/>
+            <a:r>
+              <a:rPr lang="en-US" sz="2000" dirty="0">
+                <a:solidFill>
+                  <a:schemeClr val="tx1"/>
+                </a:solidFill>
+              </a:rPr>
+              <a:t>Original</a:t>
+            </a:r>
+          </a:p>
+          <a:p>
+            <a:pPr algn="ctr"/>
+            <a:r>
+              <a:rPr lang="en-US" sz="2000" dirty="0">
+                <a:solidFill>
+                  <a:schemeClr val="tx1"/>
+                </a:solidFill>
+              </a:rPr>
+              <a:t>Image Data</a:t>
+            </a:r>
+            <a:endParaRPr lang="en-KR" sz="2000" dirty="0">
+              <a:solidFill>
+                <a:schemeClr val="tx1"/>
+              </a:solidFill>
+            </a:endParaRPr>
           </a:p>
         </p:txBody>
       </p:sp>

--- a/image.pptx
+++ b/image.pptx
@@ -261,7 +261,7 @@
           <a:p>
             <a:fld id="{DBB8A35C-69E5-B248-97A2-ED5DE63F7C33}" type="datetimeFigureOut">
               <a:rPr lang="en-KR" smtClean="0"/>
-              <a:t>2022/11/28</a:t>
+              <a:t>11/28/2022</a:t>
             </a:fld>
             <a:endParaRPr lang="en-KR"/>
           </a:p>
@@ -461,7 +461,7 @@
           <a:p>
             <a:fld id="{DBB8A35C-69E5-B248-97A2-ED5DE63F7C33}" type="datetimeFigureOut">
               <a:rPr lang="en-KR" smtClean="0"/>
-              <a:t>2022/11/28</a:t>
+              <a:t>11/28/2022</a:t>
             </a:fld>
             <a:endParaRPr lang="en-KR"/>
           </a:p>
@@ -671,7 +671,7 @@
           <a:p>
             <a:fld id="{DBB8A35C-69E5-B248-97A2-ED5DE63F7C33}" type="datetimeFigureOut">
               <a:rPr lang="en-KR" smtClean="0"/>
-              <a:t>2022/11/28</a:t>
+              <a:t>11/28/2022</a:t>
             </a:fld>
             <a:endParaRPr lang="en-KR"/>
           </a:p>
@@ -871,7 +871,7 @@
           <a:p>
             <a:fld id="{DBB8A35C-69E5-B248-97A2-ED5DE63F7C33}" type="datetimeFigureOut">
               <a:rPr lang="en-KR" smtClean="0"/>
-              <a:t>2022/11/28</a:t>
+              <a:t>11/28/2022</a:t>
             </a:fld>
             <a:endParaRPr lang="en-KR"/>
           </a:p>
@@ -1147,7 +1147,7 @@
           <a:p>
             <a:fld id="{DBB8A35C-69E5-B248-97A2-ED5DE63F7C33}" type="datetimeFigureOut">
               <a:rPr lang="en-KR" smtClean="0"/>
-              <a:t>2022/11/28</a:t>
+              <a:t>11/28/2022</a:t>
             </a:fld>
             <a:endParaRPr lang="en-KR"/>
           </a:p>
@@ -1415,7 +1415,7 @@
           <a:p>
             <a:fld id="{DBB8A35C-69E5-B248-97A2-ED5DE63F7C33}" type="datetimeFigureOut">
               <a:rPr lang="en-KR" smtClean="0"/>
-              <a:t>2022/11/28</a:t>
+              <a:t>11/28/2022</a:t>
             </a:fld>
             <a:endParaRPr lang="en-KR"/>
           </a:p>
@@ -1830,7 +1830,7 @@
           <a:p>
             <a:fld id="{DBB8A35C-69E5-B248-97A2-ED5DE63F7C33}" type="datetimeFigureOut">
               <a:rPr lang="en-KR" smtClean="0"/>
-              <a:t>2022/11/28</a:t>
+              <a:t>11/28/2022</a:t>
             </a:fld>
             <a:endParaRPr lang="en-KR"/>
           </a:p>
@@ -1972,7 +1972,7 @@
           <a:p>
             <a:fld id="{DBB8A35C-69E5-B248-97A2-ED5DE63F7C33}" type="datetimeFigureOut">
               <a:rPr lang="en-KR" smtClean="0"/>
-              <a:t>2022/11/28</a:t>
+              <a:t>11/28/2022</a:t>
             </a:fld>
             <a:endParaRPr lang="en-KR"/>
           </a:p>
@@ -2085,7 +2085,7 @@
           <a:p>
             <a:fld id="{DBB8A35C-69E5-B248-97A2-ED5DE63F7C33}" type="datetimeFigureOut">
               <a:rPr lang="en-KR" smtClean="0"/>
-              <a:t>2022/11/28</a:t>
+              <a:t>11/28/2022</a:t>
             </a:fld>
             <a:endParaRPr lang="en-KR"/>
           </a:p>
@@ -2398,7 +2398,7 @@
           <a:p>
             <a:fld id="{DBB8A35C-69E5-B248-97A2-ED5DE63F7C33}" type="datetimeFigureOut">
               <a:rPr lang="en-KR" smtClean="0"/>
-              <a:t>2022/11/28</a:t>
+              <a:t>11/28/2022</a:t>
             </a:fld>
             <a:endParaRPr lang="en-KR"/>
           </a:p>
@@ -2687,7 +2687,7 @@
           <a:p>
             <a:fld id="{DBB8A35C-69E5-B248-97A2-ED5DE63F7C33}" type="datetimeFigureOut">
               <a:rPr lang="en-KR" smtClean="0"/>
-              <a:t>2022/11/28</a:t>
+              <a:t>11/28/2022</a:t>
             </a:fld>
             <a:endParaRPr lang="en-KR"/>
           </a:p>
@@ -2930,7 +2930,7 @@
           <a:p>
             <a:fld id="{DBB8A35C-69E5-B248-97A2-ED5DE63F7C33}" type="datetimeFigureOut">
               <a:rPr lang="en-KR" smtClean="0"/>
-              <a:t>2022/11/28</a:t>
+              <a:t>11/28/2022</a:t>
             </a:fld>
             <a:endParaRPr lang="en-KR"/>
           </a:p>
@@ -3532,7 +3532,7 @@
         <p:spPr>
           <a:xfrm>
             <a:off x="1052621" y="2584838"/>
-            <a:ext cx="1584252" cy="646331"/>
+            <a:ext cx="1584252" cy="923330"/>
           </a:xfrm>
           <a:prstGeom prst="rect">
             <a:avLst/>
@@ -3547,7 +3547,15 @@
           <a:p>
             <a:r>
               <a:rPr lang="en-KR" dirty="0"/>
-              <a:t>Authrization &amp;</a:t>
+              <a:t>Auth</a:t>
+            </a:r>
+            <a:r>
+              <a:rPr lang="en-US" dirty="0"/>
+              <a:t>o</a:t>
+            </a:r>
+            <a:r>
+              <a:rPr lang="en-KR" dirty="0"/>
+              <a:t>rization &amp;</a:t>
             </a:r>
           </a:p>
           <a:p>
@@ -4200,7 +4208,7 @@
         <p:spPr>
           <a:xfrm>
             <a:off x="9048307" y="2671026"/>
-            <a:ext cx="1524644" cy="646331"/>
+            <a:ext cx="1733662" cy="646331"/>
           </a:xfrm>
           <a:prstGeom prst="rect">
             <a:avLst/>
@@ -4215,10 +4223,18 @@
           <a:p>
             <a:r>
               <a:rPr lang="en-KR" dirty="0"/>
-              <a:t>Decription</a:t>
-            </a:r>
-            <a:r>
-              <a:rPr lang="ko-KR" altLang="en-US" dirty="0"/>
+              <a:t>De</a:t>
+            </a:r>
+            <a:r>
+              <a:rPr lang="en-US" dirty="0"/>
+              <a:t>s</a:t>
+            </a:r>
+            <a:r>
+              <a:rPr lang="en-KR" dirty="0"/>
+              <a:t>cription</a:t>
+            </a:r>
+            <a:r>
+              <a:rPr lang="ko-KR" altLang="en-US"/>
               <a:t> </a:t>
             </a:r>
             <a:r>
